--- a/OSS_Seminar.pptx
+++ b/OSS_Seminar.pptx
@@ -31,6 +31,7 @@
     <p:sldId id="276" r:id="rId28"/>
     <p:sldId id="277" r:id="rId29"/>
     <p:sldId id="278" r:id="rId30"/>
+    <p:sldId id="279" r:id="rId31"/>
   </p:sldIdLst>
   <p:sldSz cx="13004800" cy="9753600"/>
   <p:notesSz cx="6858000" cy="9144000"/>
@@ -5893,7 +5894,7 @@
       </p:grpSp>
       <p:grpSp>
         <p:nvGrpSpPr>
-          <p:cNvPr id="212" name="touch git-ex1.txt…"/>
+          <p:cNvPr id="212" name="touch test.txt…"/>
           <p:cNvGrpSpPr/>
           <p:nvPr/>
         </p:nvGrpSpPr>
@@ -5907,7 +5908,7 @@
         </p:grpSpPr>
         <p:sp>
           <p:nvSpPr>
-            <p:cNvPr id="211" name="touch git-ex1.txt…"/>
+            <p:cNvPr id="211" name="touch test.txt…"/>
             <p:cNvSpPr/>
             <p:nvPr/>
           </p:nvSpPr>
@@ -5948,7 +5949,7 @@
                 </a:defRPr>
               </a:pPr>
               <a:r>
-                <a:t>touch git-ex1.txt</a:t>
+                <a:t>touch test.txt</a:t>
               </a:r>
             </a:p>
             <a:p>
@@ -5964,7 +5965,7 @@
                 </a:defRPr>
               </a:pPr>
               <a:r>
-                <a:t>git add git-ex1.txt</a:t>
+                <a:t>git add test.txt</a:t>
               </a:r>
             </a:p>
             <a:p>
@@ -5987,7 +5988,7 @@
         </p:sp>
         <p:pic>
           <p:nvPicPr>
-            <p:cNvPr id="210" name="touch git-ex1.txt…" descr="touch git-ex1.txt…"/>
+            <p:cNvPr id="210" name="touch test.txt…" descr="touch test.txt…"/>
             <p:cNvPicPr>
               <a:picLocks noChangeAspect="0"/>
             </p:cNvPicPr>
@@ -6149,7 +6150,7 @@
       </p:grpSp>
       <p:grpSp>
         <p:nvGrpSpPr>
-          <p:cNvPr id="220" name="vi git-ex1.txt…"/>
+          <p:cNvPr id="220" name="vi test.txt…"/>
           <p:cNvGrpSpPr/>
           <p:nvPr/>
         </p:nvGrpSpPr>
@@ -6163,7 +6164,7 @@
         </p:grpSpPr>
         <p:sp>
           <p:nvSpPr>
-            <p:cNvPr id="219" name="vi git-ex1.txt…"/>
+            <p:cNvPr id="219" name="vi test.txt…"/>
             <p:cNvSpPr/>
             <p:nvPr/>
           </p:nvSpPr>
@@ -6204,7 +6205,7 @@
                 </a:defRPr>
               </a:pPr>
               <a:r>
-                <a:t>vi git-ex1.txt</a:t>
+                <a:t>vi test.txt</a:t>
               </a:r>
             </a:p>
             <a:p>
@@ -6227,7 +6228,7 @@
         </p:sp>
         <p:pic>
           <p:nvPicPr>
-            <p:cNvPr id="218" name="vi git-ex1.txt…" descr="vi git-ex1.txt…"/>
+            <p:cNvPr id="218" name="vi test.txt…" descr="vi test.txt…"/>
             <p:cNvPicPr>
               <a:picLocks noChangeAspect="0"/>
             </p:cNvPicPr>
@@ -6255,7 +6256,7 @@
       </p:grpSp>
       <p:grpSp>
         <p:nvGrpSpPr>
-          <p:cNvPr id="223" name="테스트 파일 생성 및 커밋"/>
+          <p:cNvPr id="223" name="테스트 파일 추가 및 커밋"/>
           <p:cNvGrpSpPr/>
           <p:nvPr/>
         </p:nvGrpSpPr>
@@ -6269,7 +6270,7 @@
         </p:grpSpPr>
         <p:sp>
           <p:nvSpPr>
-            <p:cNvPr id="222" name="테스트 파일 생성 및 커밋"/>
+            <p:cNvPr id="222" name="테스트 파일 추가 및 커밋"/>
             <p:cNvSpPr/>
             <p:nvPr/>
           </p:nvSpPr>
@@ -6304,14 +6305,14 @@
             <a:p>
               <a:pPr/>
               <a:r>
-                <a:t>테스트 파일 생성 및 커밋</a:t>
+                <a:t>테스트 파일 추가 및 커밋</a:t>
               </a:r>
             </a:p>
           </p:txBody>
         </p:sp>
         <p:pic>
           <p:nvPicPr>
-            <p:cNvPr id="221" name="테스트 파일 생성 및 커밋" descr="테스트 파일 생성 및 커밋"/>
+            <p:cNvPr id="221" name="테스트 파일 추가 및 커밋" descr="테스트 파일 추가 및 커밋"/>
             <p:cNvPicPr>
               <a:picLocks noChangeAspect="0"/>
             </p:cNvPicPr>
@@ -6339,7 +6340,7 @@
       </p:grpSp>
       <p:grpSp>
         <p:nvGrpSpPr>
-          <p:cNvPr id="226" name="touch git-ex1.txt…"/>
+          <p:cNvPr id="226" name="git add test.txt…"/>
           <p:cNvGrpSpPr/>
           <p:nvPr/>
         </p:nvGrpSpPr>
@@ -6353,7 +6354,7 @@
         </p:grpSpPr>
         <p:sp>
           <p:nvSpPr>
-            <p:cNvPr id="225" name="touch git-ex1.txt…"/>
+            <p:cNvPr id="225" name="git add test.txt…"/>
             <p:cNvSpPr/>
             <p:nvPr/>
           </p:nvSpPr>
@@ -6394,7 +6395,7 @@
                 </a:defRPr>
               </a:pPr>
               <a:r>
-                <a:t>touch git-ex1.txt</a:t>
+                <a:t>git add test.txt</a:t>
               </a:r>
             </a:p>
             <a:p>
@@ -6410,30 +6411,14 @@
                 </a:defRPr>
               </a:pPr>
               <a:r>
-                <a:t>git add git-ex1.txt</a:t>
-              </a:r>
-            </a:p>
-            <a:p>
-              <a:pPr>
-                <a:defRPr sz="3000">
-                  <a:solidFill>
-                    <a:srgbClr val="000000"/>
-                  </a:solidFill>
-                  <a:latin typeface="나눔고딕"/>
-                  <a:ea typeface="나눔고딕"/>
-                  <a:cs typeface="나눔고딕"/>
-                  <a:sym typeface="나눔고딕"/>
-                </a:defRPr>
-              </a:pPr>
-              <a:r>
-                <a:t>git commit -m “first git commit”</a:t>
+                <a:t>git commit -m “second git commit”</a:t>
               </a:r>
             </a:p>
           </p:txBody>
         </p:sp>
         <p:pic>
           <p:nvPicPr>
-            <p:cNvPr id="224" name="touch git-ex1.txt…" descr="touch git-ex1.txt…"/>
+            <p:cNvPr id="224" name="git add test.txt…" descr="git add test.txt…"/>
             <p:cNvPicPr>
               <a:picLocks noChangeAspect="0"/>
             </p:cNvPicPr>
@@ -6601,7 +6586,7 @@
         </p:nvGrpSpPr>
         <p:grpSpPr>
           <a:xfrm>
-            <a:off x="1862666" y="3630281"/>
+            <a:off x="1862666" y="3642981"/>
             <a:ext cx="9768881" cy="1945350"/>
             <a:chOff x="0" y="0"/>
             <a:chExt cx="9768879" cy="1945348"/>
@@ -6666,7 +6651,7 @@
                 </a:defRPr>
               </a:pPr>
               <a:r>
-                <a:t>git remote add OSS_Seminar </a:t>
+                <a:t>git remote add origin </a:t>
               </a:r>
             </a:p>
             <a:p>
@@ -6801,28 +6786,28 @@
       </p:grpSp>
       <p:grpSp>
         <p:nvGrpSpPr>
-          <p:cNvPr id="240" name="git push origin master"/>
+          <p:cNvPr id="240" name="git pull origin master…"/>
           <p:cNvGrpSpPr/>
           <p:nvPr/>
         </p:nvGrpSpPr>
         <p:grpSpPr>
           <a:xfrm>
             <a:off x="1862666" y="7112727"/>
-            <a:ext cx="9768881" cy="983127"/>
+            <a:ext cx="9768881" cy="1638010"/>
             <a:chOff x="0" y="0"/>
-            <a:chExt cx="9768879" cy="983125"/>
+            <a:chExt cx="9768879" cy="1638008"/>
           </a:xfrm>
         </p:grpSpPr>
         <p:sp>
           <p:nvSpPr>
-            <p:cNvPr id="239" name="git push origin master"/>
+            <p:cNvPr id="239" name="git pull origin master…"/>
             <p:cNvSpPr/>
             <p:nvPr/>
           </p:nvSpPr>
           <p:spPr>
             <a:xfrm>
               <a:off x="25400" y="25399"/>
-              <a:ext cx="9718080" cy="932327"/>
+              <a:ext cx="9718080" cy="1587211"/>
             </a:xfrm>
             <a:prstGeom prst="rect">
               <a:avLst/>
@@ -6842,8 +6827,9 @@
             <a:bodyPr wrap="square" lIns="50800" tIns="50800" rIns="50800" bIns="50800" numCol="1" anchor="ctr">
               <a:noAutofit/>
             </a:bodyPr>
-            <a:lstStyle>
-              <a:lvl1pPr>
+            <a:lstStyle/>
+            <a:p>
+              <a:pPr>
                 <a:defRPr sz="3000">
                   <a:solidFill>
                     <a:srgbClr val="000000"/>
@@ -6853,10 +6839,23 @@
                   <a:cs typeface="나눔고딕"/>
                   <a:sym typeface="나눔고딕"/>
                 </a:defRPr>
-              </a:lvl1pPr>
-            </a:lstStyle>
+              </a:pPr>
+              <a:r>
+                <a:t>git pull origin master</a:t>
+              </a:r>
+            </a:p>
             <a:p>
-              <a:pPr/>
+              <a:pPr>
+                <a:defRPr sz="3000">
+                  <a:solidFill>
+                    <a:srgbClr val="000000"/>
+                  </a:solidFill>
+                  <a:latin typeface="나눔고딕"/>
+                  <a:ea typeface="나눔고딕"/>
+                  <a:cs typeface="나눔고딕"/>
+                  <a:sym typeface="나눔고딕"/>
+                </a:defRPr>
+              </a:pPr>
               <a:r>
                 <a:t>git push origin master</a:t>
               </a:r>
@@ -6865,7 +6864,7 @@
         </p:sp>
         <p:pic>
           <p:nvPicPr>
-            <p:cNvPr id="238" name="git push origin master" descr="git push origin master"/>
+            <p:cNvPr id="238" name="git pull origin master…" descr="git pull origin master…"/>
             <p:cNvPicPr>
               <a:picLocks noChangeAspect="0"/>
             </p:cNvPicPr>
@@ -6882,7 +6881,7 @@
           <p:spPr>
             <a:xfrm>
               <a:off x="0" y="0"/>
-              <a:ext cx="9768880" cy="983126"/>
+              <a:ext cx="9768880" cy="1638009"/>
             </a:xfrm>
             <a:prstGeom prst="rect">
               <a:avLst/>
@@ -6919,13 +6918,17 @@
       </p:grpSpPr>
       <p:sp>
         <p:nvSpPr>
-          <p:cNvPr id="242" name="심화 : Git 협업 및 관리"/>
+          <p:cNvPr id="242" name="fatal: refusing to merge unrelated histories…"/>
           <p:cNvSpPr txBox="1"/>
           <p:nvPr>
-            <p:ph type="title"/>
+            <p:ph type="body" idx="1"/>
           </p:nvPr>
         </p:nvSpPr>
         <p:spPr>
+          <a:xfrm>
+            <a:off x="1269999" y="1955800"/>
+            <a:ext cx="10464801" cy="5842001"/>
+          </a:xfrm>
           <a:prstGeom prst="rect">
             <a:avLst/>
           </a:prstGeom>
@@ -6934,9 +6937,45 @@
           <a:bodyPr/>
           <a:lstStyle/>
           <a:p>
-            <a:pPr/>
-            <a:r>
-              <a:t>심화 : Git 협업 및 관리</a:t>
+            <a:pPr marL="0" indent="0">
+              <a:buSzTx/>
+              <a:buNone/>
+              <a:defRPr sz="3000">
+                <a:latin typeface="나눔고딕"/>
+                <a:ea typeface="나눔고딕"/>
+                <a:cs typeface="나눔고딕"/>
+                <a:sym typeface="나눔고딕"/>
+              </a:defRPr>
+            </a:pPr>
+            <a:r>
+              <a:t>fatal: refusing to merge unrelated histories</a:t>
+            </a:r>
+          </a:p>
+          <a:p>
+            <a:pPr marL="0" indent="0">
+              <a:buSzTx/>
+              <a:buNone/>
+              <a:defRPr sz="3000">
+                <a:latin typeface="나눔고딕"/>
+                <a:ea typeface="나눔고딕"/>
+                <a:cs typeface="나눔고딕"/>
+                <a:sym typeface="나눔고딕"/>
+              </a:defRPr>
+            </a:pPr>
+          </a:p>
+          <a:p>
+            <a:pPr marL="0" indent="0">
+              <a:buSzTx/>
+              <a:buNone/>
+            </a:pPr>
+            <a:r>
+              <a:rPr sz="3000">
+                <a:latin typeface="나눔고딕"/>
+                <a:ea typeface="나눔고딕"/>
+                <a:cs typeface="나눔고딕"/>
+                <a:sym typeface="나눔고딕"/>
+              </a:rPr>
+              <a:t>git pull origin master --allow-unrelated-histories</a:t>
             </a:r>
           </a:p>
         </p:txBody>
@@ -6969,7 +7008,7 @@
       </p:grpSpPr>
       <p:sp>
         <p:nvSpPr>
-          <p:cNvPr id="244" name="branch"/>
+          <p:cNvPr id="244" name="심화 : Git 협업 및 관리"/>
           <p:cNvSpPr txBox="1"/>
           <p:nvPr>
             <p:ph type="title"/>
@@ -6986,6 +7025,208 @@
           <a:p>
             <a:pPr/>
             <a:r>
+              <a:t>심화 : Git 협업 및 관리</a:t>
+            </a:r>
+          </a:p>
+        </p:txBody>
+      </p:sp>
+    </p:spTree>
+  </p:cSld>
+  <p:clrMapOvr>
+    <a:masterClrMapping/>
+  </p:clrMapOvr>
+  <p:transition xmlns:p14="http://schemas.microsoft.com/office/powerpoint/2010/main" spd="med" advClick="1"/>
+</p:sld>
+</file>
+
+<file path=ppt/slides/slide2.xml><?xml version="1.0" encoding="utf-8"?>
+<p:sld xmlns:a="http://schemas.openxmlformats.org/drawingml/2006/main" xmlns:r="http://schemas.openxmlformats.org/officeDocument/2006/relationships" xmlns:p="http://schemas.openxmlformats.org/presentationml/2006/main" showMasterSp="1" showMasterPhAnim="1">
+  <p:cSld>
+    <p:spTree>
+      <p:nvGrpSpPr>
+        <p:cNvPr id="1" name=""/>
+        <p:cNvGrpSpPr/>
+        <p:nvPr/>
+      </p:nvGrpSpPr>
+      <p:grpSpPr>
+        <a:xfrm>
+          <a:off x="0" y="0"/>
+          <a:ext cx="0" cy="0"/>
+          <a:chOff x="0" y="0"/>
+          <a:chExt cx="0" cy="0"/>
+        </a:xfrm>
+      </p:grpSpPr>
+      <p:sp>
+        <p:nvSpPr>
+          <p:cNvPr id="122" name="왜 OSS에 관심을 가지나?"/>
+          <p:cNvSpPr txBox="1"/>
+          <p:nvPr>
+            <p:ph type="title"/>
+          </p:nvPr>
+        </p:nvSpPr>
+        <p:spPr>
+          <a:prstGeom prst="rect">
+            <a:avLst/>
+          </a:prstGeom>
+        </p:spPr>
+        <p:txBody>
+          <a:bodyPr/>
+          <a:lstStyle/>
+          <a:p>
+            <a:pPr/>
+            <a:r>
+              <a:t>왜 OSS에 관심을 가지나?</a:t>
+            </a:r>
+          </a:p>
+        </p:txBody>
+      </p:sp>
+      <p:sp>
+        <p:nvSpPr>
+          <p:cNvPr id="123" name="시간이 단축된다.…"/>
+          <p:cNvSpPr txBox="1"/>
+          <p:nvPr>
+            <p:ph type="body" idx="1"/>
+          </p:nvPr>
+        </p:nvSpPr>
+        <p:spPr>
+          <a:prstGeom prst="rect">
+            <a:avLst/>
+          </a:prstGeom>
+        </p:spPr>
+        <p:txBody>
+          <a:bodyPr/>
+          <a:lstStyle/>
+          <a:p>
+            <a:pPr marL="418211" indent="-418211" defTabSz="519937">
+              <a:spcBef>
+                <a:spcPts val="2600"/>
+              </a:spcBef>
+              <a:buBlip>
+                <a:blip r:embed="rId2"/>
+              </a:buBlip>
+              <a:defRPr sz="3382"/>
+            </a:pPr>
+            <a:r>
+              <a:t>시간이 단축된다.</a:t>
+            </a:r>
+          </a:p>
+          <a:p>
+            <a:pPr marL="418211" indent="-418211" defTabSz="519937">
+              <a:spcBef>
+                <a:spcPts val="2600"/>
+              </a:spcBef>
+              <a:buBlip>
+                <a:blip r:embed="rId2"/>
+              </a:buBlip>
+              <a:defRPr sz="3382"/>
+            </a:pPr>
+            <a:r>
+              <a:t>비용이 절감된다.</a:t>
+            </a:r>
+          </a:p>
+          <a:p>
+            <a:pPr marL="418211" indent="-418211" defTabSz="519937">
+              <a:spcBef>
+                <a:spcPts val="2600"/>
+              </a:spcBef>
+              <a:buBlip>
+                <a:blip r:embed="rId2"/>
+              </a:buBlip>
+              <a:defRPr sz="3382"/>
+            </a:pPr>
+            <a:r>
+              <a:t>버그 수정 또는 기능 추가가 된다.</a:t>
+            </a:r>
+          </a:p>
+          <a:p>
+            <a:pPr marL="418211" indent="-418211" defTabSz="519937">
+              <a:spcBef>
+                <a:spcPts val="2600"/>
+              </a:spcBef>
+              <a:buBlip>
+                <a:blip r:embed="rId2"/>
+              </a:buBlip>
+              <a:defRPr sz="3382"/>
+            </a:pPr>
+            <a:r>
+              <a:t>커스터마이징이 가능하다.</a:t>
+            </a:r>
+          </a:p>
+          <a:p>
+            <a:pPr marL="418211" indent="-418211" defTabSz="519937">
+              <a:spcBef>
+                <a:spcPts val="2600"/>
+              </a:spcBef>
+              <a:buBlip>
+                <a:blip r:embed="rId2"/>
+              </a:buBlip>
+              <a:defRPr sz="3382"/>
+            </a:pPr>
+            <a:r>
+              <a:t>특정 벤더에 종속되지 않는다.</a:t>
+            </a:r>
+          </a:p>
+          <a:p>
+            <a:pPr marL="418211" indent="-418211" defTabSz="519937">
+              <a:spcBef>
+                <a:spcPts val="2600"/>
+              </a:spcBef>
+              <a:buBlip>
+                <a:blip r:embed="rId2"/>
+              </a:buBlip>
+              <a:defRPr sz="3382"/>
+            </a:pPr>
+            <a:r>
+              <a:t>내가 만든 것보다 정확하다.</a:t>
+            </a:r>
+          </a:p>
+        </p:txBody>
+      </p:sp>
+    </p:spTree>
+  </p:cSld>
+  <p:clrMapOvr>
+    <a:masterClrMapping/>
+  </p:clrMapOvr>
+  <p:transition xmlns:p14="http://schemas.microsoft.com/office/powerpoint/2010/main" spd="med" advClick="1"/>
+</p:sld>
+</file>
+
+<file path=ppt/slides/slide20.xml><?xml version="1.0" encoding="utf-8"?>
+<p:sld xmlns:a="http://schemas.openxmlformats.org/drawingml/2006/main" xmlns:r="http://schemas.openxmlformats.org/officeDocument/2006/relationships" xmlns:p="http://schemas.openxmlformats.org/presentationml/2006/main" showMasterSp="1" showMasterPhAnim="1">
+  <p:cSld>
+    <p:spTree>
+      <p:nvGrpSpPr>
+        <p:cNvPr id="1" name=""/>
+        <p:cNvGrpSpPr/>
+        <p:nvPr/>
+      </p:nvGrpSpPr>
+      <p:grpSpPr>
+        <a:xfrm>
+          <a:off x="0" y="0"/>
+          <a:ext cx="0" cy="0"/>
+          <a:chOff x="0" y="0"/>
+          <a:chExt cx="0" cy="0"/>
+        </a:xfrm>
+      </p:grpSpPr>
+      <p:sp>
+        <p:nvSpPr>
+          <p:cNvPr id="246" name="branch"/>
+          <p:cNvSpPr txBox="1"/>
+          <p:nvPr>
+            <p:ph type="title"/>
+          </p:nvPr>
+        </p:nvSpPr>
+        <p:spPr>
+          <a:prstGeom prst="rect">
+            <a:avLst/>
+          </a:prstGeom>
+        </p:spPr>
+        <p:txBody>
+          <a:bodyPr/>
+          <a:lstStyle/>
+          <a:p>
+            <a:pPr/>
+            <a:r>
               <a:t>branch</a:t>
             </a:r>
           </a:p>
@@ -6993,7 +7234,7 @@
       </p:sp>
       <p:pic>
         <p:nvPicPr>
-          <p:cNvPr id="245" name="스크린샷 2017-11-14 오전 1.30.03.png" descr="스크린샷 2017-11-14 오전 1.30.03.png"/>
+          <p:cNvPr id="247" name="스크린샷 2017-11-14 오전 1.30.03.png" descr="스크린샷 2017-11-14 오전 1.30.03.png"/>
           <p:cNvPicPr>
             <a:picLocks noChangeAspect="1"/>
           </p:cNvPicPr>
@@ -7022,7 +7263,7 @@
       </p:pic>
       <p:grpSp>
         <p:nvGrpSpPr>
-          <p:cNvPr id="248" name="Git flow, GitHub flow, GitLab flow…"/>
+          <p:cNvPr id="250" name="Git flow, GitHub flow, GitLab flow…"/>
           <p:cNvGrpSpPr/>
           <p:nvPr/>
         </p:nvGrpSpPr>
@@ -7036,7 +7277,7 @@
         </p:grpSpPr>
         <p:sp>
           <p:nvSpPr>
-            <p:cNvPr id="247" name="Git flow, GitHub flow, GitLab flow…"/>
+            <p:cNvPr id="249" name="Git flow, GitHub flow, GitLab flow…"/>
             <p:cNvSpPr/>
             <p:nvPr/>
           </p:nvSpPr>
@@ -7101,7 +7342,7 @@
         </p:sp>
         <p:pic>
           <p:nvPicPr>
-            <p:cNvPr id="246" name="Git flow, GitHub flow, GitLab flow…" descr="Git flow, GitHub flow, GitLab flow…"/>
+            <p:cNvPr id="248" name="Git flow, GitHub flow, GitLab flow…" descr="Git flow, GitHub flow, GitLab flow…"/>
             <p:cNvPicPr>
               <a:picLocks noChangeAspect="0"/>
             </p:cNvPicPr>
@@ -7136,7 +7377,7 @@
 </p:sld>
 </file>
 
-<file path=ppt/slides/slide2.xml><?xml version="1.0" encoding="utf-8"?>
+<file path=ppt/slides/slide21.xml><?xml version="1.0" encoding="utf-8"?>
 <p:sld xmlns:a="http://schemas.openxmlformats.org/drawingml/2006/main" xmlns:r="http://schemas.openxmlformats.org/officeDocument/2006/relationships" xmlns:p="http://schemas.openxmlformats.org/presentationml/2006/main" showMasterSp="1" showMasterPhAnim="1">
   <p:cSld>
     <p:spTree>
@@ -7155,7 +7396,7 @@
       </p:grpSpPr>
       <p:sp>
         <p:nvSpPr>
-          <p:cNvPr id="122" name="왜 OSS에 관심을 가지나?"/>
+          <p:cNvPr id="252" name="Merge/ Rebase"/>
           <p:cNvSpPr txBox="1"/>
           <p:nvPr>
             <p:ph type="title"/>
@@ -7172,166 +7413,14 @@
           <a:p>
             <a:pPr/>
             <a:r>
-              <a:t>왜 OSS에 관심을 가지나?</a:t>
+              <a:t>Merge/ Rebase</a:t>
             </a:r>
           </a:p>
         </p:txBody>
       </p:sp>
       <p:sp>
         <p:nvSpPr>
-          <p:cNvPr id="123" name="시간이 단축된다.…"/>
-          <p:cNvSpPr txBox="1"/>
-          <p:nvPr>
-            <p:ph type="body" idx="1"/>
-          </p:nvPr>
-        </p:nvSpPr>
-        <p:spPr>
-          <a:prstGeom prst="rect">
-            <a:avLst/>
-          </a:prstGeom>
-        </p:spPr>
-        <p:txBody>
-          <a:bodyPr/>
-          <a:lstStyle/>
-          <a:p>
-            <a:pPr marL="418211" indent="-418211" defTabSz="519937">
-              <a:spcBef>
-                <a:spcPts val="2600"/>
-              </a:spcBef>
-              <a:buBlip>
-                <a:blip r:embed="rId2"/>
-              </a:buBlip>
-              <a:defRPr sz="3382"/>
-            </a:pPr>
-            <a:r>
-              <a:t>시간이 단축된다.</a:t>
-            </a:r>
-          </a:p>
-          <a:p>
-            <a:pPr marL="418211" indent="-418211" defTabSz="519937">
-              <a:spcBef>
-                <a:spcPts val="2600"/>
-              </a:spcBef>
-              <a:buBlip>
-                <a:blip r:embed="rId2"/>
-              </a:buBlip>
-              <a:defRPr sz="3382"/>
-            </a:pPr>
-            <a:r>
-              <a:t>비용이 절감된다.</a:t>
-            </a:r>
-          </a:p>
-          <a:p>
-            <a:pPr marL="418211" indent="-418211" defTabSz="519937">
-              <a:spcBef>
-                <a:spcPts val="2600"/>
-              </a:spcBef>
-              <a:buBlip>
-                <a:blip r:embed="rId2"/>
-              </a:buBlip>
-              <a:defRPr sz="3382"/>
-            </a:pPr>
-            <a:r>
-              <a:t>버그 수정 또는 기능 추가가 된다.</a:t>
-            </a:r>
-          </a:p>
-          <a:p>
-            <a:pPr marL="418211" indent="-418211" defTabSz="519937">
-              <a:spcBef>
-                <a:spcPts val="2600"/>
-              </a:spcBef>
-              <a:buBlip>
-                <a:blip r:embed="rId2"/>
-              </a:buBlip>
-              <a:defRPr sz="3382"/>
-            </a:pPr>
-            <a:r>
-              <a:t>커스터마이징이 가능하다.</a:t>
-            </a:r>
-          </a:p>
-          <a:p>
-            <a:pPr marL="418211" indent="-418211" defTabSz="519937">
-              <a:spcBef>
-                <a:spcPts val="2600"/>
-              </a:spcBef>
-              <a:buBlip>
-                <a:blip r:embed="rId2"/>
-              </a:buBlip>
-              <a:defRPr sz="3382"/>
-            </a:pPr>
-            <a:r>
-              <a:t>특정 벤더에 종속되지 않는다.</a:t>
-            </a:r>
-          </a:p>
-          <a:p>
-            <a:pPr marL="418211" indent="-418211" defTabSz="519937">
-              <a:spcBef>
-                <a:spcPts val="2600"/>
-              </a:spcBef>
-              <a:buBlip>
-                <a:blip r:embed="rId2"/>
-              </a:buBlip>
-              <a:defRPr sz="3382"/>
-            </a:pPr>
-            <a:r>
-              <a:t>내가 만든 것보다 정확하다.</a:t>
-            </a:r>
-          </a:p>
-        </p:txBody>
-      </p:sp>
-    </p:spTree>
-  </p:cSld>
-  <p:clrMapOvr>
-    <a:masterClrMapping/>
-  </p:clrMapOvr>
-  <p:transition xmlns:p14="http://schemas.microsoft.com/office/powerpoint/2010/main" spd="med" advClick="1"/>
-</p:sld>
-</file>
-
-<file path=ppt/slides/slide20.xml><?xml version="1.0" encoding="utf-8"?>
-<p:sld xmlns:a="http://schemas.openxmlformats.org/drawingml/2006/main" xmlns:r="http://schemas.openxmlformats.org/officeDocument/2006/relationships" xmlns:p="http://schemas.openxmlformats.org/presentationml/2006/main" showMasterSp="1" showMasterPhAnim="1">
-  <p:cSld>
-    <p:spTree>
-      <p:nvGrpSpPr>
-        <p:cNvPr id="1" name=""/>
-        <p:cNvGrpSpPr/>
-        <p:nvPr/>
-      </p:nvGrpSpPr>
-      <p:grpSpPr>
-        <a:xfrm>
-          <a:off x="0" y="0"/>
-          <a:ext cx="0" cy="0"/>
-          <a:chOff x="0" y="0"/>
-          <a:chExt cx="0" cy="0"/>
-        </a:xfrm>
-      </p:grpSpPr>
-      <p:sp>
-        <p:nvSpPr>
-          <p:cNvPr id="250" name="Merge/ Rebase"/>
-          <p:cNvSpPr txBox="1"/>
-          <p:nvPr>
-            <p:ph type="title"/>
-          </p:nvPr>
-        </p:nvSpPr>
-        <p:spPr>
-          <a:prstGeom prst="rect">
-            <a:avLst/>
-          </a:prstGeom>
-        </p:spPr>
-        <p:txBody>
-          <a:bodyPr/>
-          <a:lstStyle/>
-          <a:p>
-            <a:pPr/>
-            <a:r>
-              <a:t>Merge/ Rebase</a:t>
-            </a:r>
-          </a:p>
-        </p:txBody>
-      </p:sp>
-      <p:sp>
-        <p:nvSpPr>
-          <p:cNvPr id="251" name="Merge : 작업한 브랜치를 원하는 브랜치에 합치는 것…"/>
+          <p:cNvPr id="253" name="Merge : 작업한 브랜치를 원하는 브랜치에 합치는 것…"/>
           <p:cNvSpPr txBox="1"/>
           <p:nvPr>
             <p:ph type="body" sz="half" idx="1"/>
@@ -7373,7 +7462,7 @@
       </p:sp>
       <p:sp>
         <p:nvSpPr>
-          <p:cNvPr id="252" name="충돌시에는???   -&gt;"/>
+          <p:cNvPr id="254" name="충돌시에는???   -&gt;"/>
           <p:cNvSpPr/>
           <p:nvPr/>
         </p:nvSpPr>
@@ -7430,7 +7519,7 @@
       </p:sp>
       <p:pic>
         <p:nvPicPr>
-          <p:cNvPr id="253" name="스크린샷 2017-11-14 오전 1.38.54.png" descr="스크린샷 2017-11-14 오전 1.38.54.png"/>
+          <p:cNvPr id="255" name="스크린샷 2017-11-14 오전 1.38.54.png" descr="스크린샷 2017-11-14 오전 1.38.54.png"/>
           <p:cNvPicPr>
             <a:picLocks noChangeAspect="1"/>
           </p:cNvPicPr>
@@ -7466,186 +7555,6 @@
 </p:sld>
 </file>
 
-<file path=ppt/slides/slide21.xml><?xml version="1.0" encoding="utf-8"?>
-<p:sld xmlns:a="http://schemas.openxmlformats.org/drawingml/2006/main" xmlns:r="http://schemas.openxmlformats.org/officeDocument/2006/relationships" xmlns:p="http://schemas.openxmlformats.org/presentationml/2006/main" showMasterSp="1" showMasterPhAnim="1">
-  <p:cSld>
-    <p:spTree>
-      <p:nvGrpSpPr>
-        <p:cNvPr id="1" name=""/>
-        <p:cNvGrpSpPr/>
-        <p:nvPr/>
-      </p:nvGrpSpPr>
-      <p:grpSpPr>
-        <a:xfrm>
-          <a:off x="0" y="0"/>
-          <a:ext cx="0" cy="0"/>
-          <a:chOff x="0" y="0"/>
-          <a:chExt cx="0" cy="0"/>
-        </a:xfrm>
-      </p:grpSpPr>
-      <p:sp>
-        <p:nvSpPr>
-          <p:cNvPr id="255" name="stash"/>
-          <p:cNvSpPr txBox="1"/>
-          <p:nvPr>
-            <p:ph type="title"/>
-          </p:nvPr>
-        </p:nvSpPr>
-        <p:spPr>
-          <a:prstGeom prst="rect">
-            <a:avLst/>
-          </a:prstGeom>
-        </p:spPr>
-        <p:txBody>
-          <a:bodyPr/>
-          <a:lstStyle/>
-          <a:p>
-            <a:pPr/>
-            <a:r>
-              <a:t>stash</a:t>
-            </a:r>
-          </a:p>
-        </p:txBody>
-      </p:sp>
-      <p:sp>
-        <p:nvSpPr>
-          <p:cNvPr id="256" name="브랜치를 변경할 때 인덱스에 있는 파일을 임시 저장…"/>
-          <p:cNvSpPr txBox="1"/>
-          <p:nvPr>
-            <p:ph type="body" idx="1"/>
-          </p:nvPr>
-        </p:nvSpPr>
-        <p:spPr>
-          <a:prstGeom prst="rect">
-            <a:avLst/>
-          </a:prstGeom>
-        </p:spPr>
-        <p:txBody>
-          <a:bodyPr/>
-          <a:lstStyle/>
-          <a:p>
-            <a:pPr marL="375920" indent="-375920" defTabSz="467359">
-              <a:spcBef>
-                <a:spcPts val="2400"/>
-              </a:spcBef>
-              <a:buBlip>
-                <a:blip r:embed="rId2"/>
-              </a:buBlip>
-              <a:defRPr sz="3040"/>
-            </a:pPr>
-            <a:r>
-              <a:t>브랜치를 변경할 때 인덱스에 있는 파일을 임시 저장</a:t>
-            </a:r>
-          </a:p>
-          <a:p>
-            <a:pPr marL="375920" indent="-375920" defTabSz="467359">
-              <a:spcBef>
-                <a:spcPts val="2400"/>
-              </a:spcBef>
-              <a:buBlip>
-                <a:blip r:embed="rId2"/>
-              </a:buBlip>
-              <a:defRPr sz="3040"/>
-            </a:pPr>
-            <a:r>
-              <a:t>명령어</a:t>
-            </a:r>
-          </a:p>
-          <a:p>
-            <a:pPr lvl="1" marL="751840" indent="-375920" defTabSz="467359">
-              <a:spcBef>
-                <a:spcPts val="2400"/>
-              </a:spcBef>
-              <a:buBlip>
-                <a:blip r:embed="rId2"/>
-              </a:buBlip>
-              <a:defRPr sz="2080"/>
-            </a:pPr>
-            <a:r>
-              <a:t>git stash save : 현재 작업을 저장해두고 branch를 head로 돌린다.(git reset –hard)</a:t>
-            </a:r>
-          </a:p>
-          <a:p>
-            <a:pPr lvl="1" marL="751840" indent="-375920" defTabSz="467359">
-              <a:spcBef>
-                <a:spcPts val="2400"/>
-              </a:spcBef>
-              <a:buBlip>
-                <a:blip r:embed="rId2"/>
-              </a:buBlip>
-              <a:defRPr sz="2080"/>
-            </a:pPr>
-            <a:r>
-              <a:t>git stash list : 저장되어 있는 stash들 보기</a:t>
-            </a:r>
-          </a:p>
-          <a:p>
-            <a:pPr lvl="1" marL="751840" indent="-375920" defTabSz="467359">
-              <a:spcBef>
-                <a:spcPts val="2400"/>
-              </a:spcBef>
-              <a:buBlip>
-                <a:blip r:embed="rId2"/>
-              </a:buBlip>
-              <a:defRPr sz="2080"/>
-            </a:pPr>
-            <a:r>
-              <a:t>git stash pop : 가장 최근에 save한 stash가 현재 branch에 적용된다.</a:t>
-            </a:r>
-          </a:p>
-          <a:p>
-            <a:pPr lvl="1" marL="751840" indent="-375920" defTabSz="467359">
-              <a:spcBef>
-                <a:spcPts val="2400"/>
-              </a:spcBef>
-              <a:buBlip>
-                <a:blip r:embed="rId2"/>
-              </a:buBlip>
-              <a:defRPr sz="2080"/>
-            </a:pPr>
-            <a:r>
-              <a:t>git stash apply : git stash pop 과 비슷한 명령어지만 stash list에서 삭제하지 않는다</a:t>
-            </a:r>
-          </a:p>
-          <a:p>
-            <a:pPr lvl="1" marL="751840" indent="-375920" defTabSz="467359">
-              <a:spcBef>
-                <a:spcPts val="2400"/>
-              </a:spcBef>
-              <a:buBlip>
-                <a:blip r:embed="rId2"/>
-              </a:buBlip>
-              <a:defRPr sz="2080"/>
-            </a:pPr>
-            <a:r>
-              <a:t>git stash drop : 필요 없는 stash를 삭제</a:t>
-            </a:r>
-          </a:p>
-          <a:p>
-            <a:pPr lvl="1" marL="751840" indent="-375920" defTabSz="467359">
-              <a:spcBef>
-                <a:spcPts val="2400"/>
-              </a:spcBef>
-              <a:buBlip>
-                <a:blip r:embed="rId2"/>
-              </a:buBlip>
-              <a:defRPr sz="2080"/>
-            </a:pPr>
-            <a:r>
-              <a:t>git stash clear : 전체 stash list를 삭제</a:t>
-            </a:r>
-          </a:p>
-        </p:txBody>
-      </p:sp>
-    </p:spTree>
-  </p:cSld>
-  <p:clrMapOvr>
-    <a:masterClrMapping/>
-  </p:clrMapOvr>
-  <p:transition xmlns:p14="http://schemas.microsoft.com/office/powerpoint/2010/main" spd="med" advClick="1"/>
-</p:sld>
-</file>
-
 <file path=ppt/slides/slide22.xml><?xml version="1.0" encoding="utf-8"?>
 <p:sld xmlns:a="http://schemas.openxmlformats.org/drawingml/2006/main" xmlns:r="http://schemas.openxmlformats.org/officeDocument/2006/relationships" xmlns:p="http://schemas.openxmlformats.org/presentationml/2006/main" showMasterSp="1" showMasterPhAnim="1">
   <p:cSld>
@@ -7665,7 +7574,7 @@
       </p:grpSpPr>
       <p:sp>
         <p:nvSpPr>
-          <p:cNvPr id="258" name="Github 사용하기"/>
+          <p:cNvPr id="257" name="stash"/>
           <p:cNvSpPr txBox="1"/>
           <p:nvPr>
             <p:ph type="title"/>
@@ -7682,14 +7591,14 @@
           <a:p>
             <a:pPr/>
             <a:r>
-              <a:t>Github 사용하기</a:t>
+              <a:t>stash</a:t>
             </a:r>
           </a:p>
         </p:txBody>
       </p:sp>
       <p:sp>
         <p:nvSpPr>
-          <p:cNvPr id="259" name="Issues : 수정이나 버그에 대한 건의사항을 작성…"/>
+          <p:cNvPr id="258" name="브랜치를 변경할 때 인덱스에 있는 파일을 임시 저장…"/>
           <p:cNvSpPr txBox="1"/>
           <p:nvPr>
             <p:ph type="body" idx="1"/>
@@ -7704,33 +7613,115 @@
           <a:bodyPr/>
           <a:lstStyle/>
           <a:p>
-            <a:pPr>
+            <a:pPr marL="375920" indent="-375920" defTabSz="467359">
+              <a:spcBef>
+                <a:spcPts val="2400"/>
+              </a:spcBef>
               <a:buBlip>
                 <a:blip r:embed="rId2"/>
               </a:buBlip>
+              <a:defRPr sz="3040"/>
             </a:pPr>
             <a:r>
-              <a:t>Issues : 수정이나 버그에 대한 건의사항을 작성</a:t>
-            </a:r>
-          </a:p>
-          <a:p>
-            <a:pPr>
+              <a:t>브랜치를 변경할 때 인덱스에 있는 파일을 임시 저장</a:t>
+            </a:r>
+          </a:p>
+          <a:p>
+            <a:pPr marL="375920" indent="-375920" defTabSz="467359">
+              <a:spcBef>
+                <a:spcPts val="2400"/>
+              </a:spcBef>
               <a:buBlip>
                 <a:blip r:embed="rId2"/>
               </a:buBlip>
+              <a:defRPr sz="3040"/>
             </a:pPr>
             <a:r>
-              <a:t>Pull request : 수정한 코드에 대해 다른 사람들의 조언을 구할 때 사용</a:t>
-            </a:r>
-          </a:p>
-          <a:p>
-            <a:pPr>
+              <a:t>명령어</a:t>
+            </a:r>
+          </a:p>
+          <a:p>
+            <a:pPr lvl="1" marL="751840" indent="-375920" defTabSz="467359">
+              <a:spcBef>
+                <a:spcPts val="2400"/>
+              </a:spcBef>
               <a:buBlip>
                 <a:blip r:embed="rId2"/>
               </a:buBlip>
+              <a:defRPr sz="2080"/>
             </a:pPr>
             <a:r>
-              <a:t>Wiki : 프로젝트에 대한 문서 작성</a:t>
+              <a:t>git stash save : 현재 작업을 저장해두고 branch를 head로 돌린다.(git reset –hard)</a:t>
+            </a:r>
+          </a:p>
+          <a:p>
+            <a:pPr lvl="1" marL="751840" indent="-375920" defTabSz="467359">
+              <a:spcBef>
+                <a:spcPts val="2400"/>
+              </a:spcBef>
+              <a:buBlip>
+                <a:blip r:embed="rId2"/>
+              </a:buBlip>
+              <a:defRPr sz="2080"/>
+            </a:pPr>
+            <a:r>
+              <a:t>git stash list : 저장되어 있는 stash들 보기</a:t>
+            </a:r>
+          </a:p>
+          <a:p>
+            <a:pPr lvl="1" marL="751840" indent="-375920" defTabSz="467359">
+              <a:spcBef>
+                <a:spcPts val="2400"/>
+              </a:spcBef>
+              <a:buBlip>
+                <a:blip r:embed="rId2"/>
+              </a:buBlip>
+              <a:defRPr sz="2080"/>
+            </a:pPr>
+            <a:r>
+              <a:t>git stash pop : 가장 최근에 save한 stash가 현재 branch에 적용된다.</a:t>
+            </a:r>
+          </a:p>
+          <a:p>
+            <a:pPr lvl="1" marL="751840" indent="-375920" defTabSz="467359">
+              <a:spcBef>
+                <a:spcPts val="2400"/>
+              </a:spcBef>
+              <a:buBlip>
+                <a:blip r:embed="rId2"/>
+              </a:buBlip>
+              <a:defRPr sz="2080"/>
+            </a:pPr>
+            <a:r>
+              <a:t>git stash apply : git stash pop 과 비슷한 명령어지만 stash list에서 삭제하지 않는다</a:t>
+            </a:r>
+          </a:p>
+          <a:p>
+            <a:pPr lvl="1" marL="751840" indent="-375920" defTabSz="467359">
+              <a:spcBef>
+                <a:spcPts val="2400"/>
+              </a:spcBef>
+              <a:buBlip>
+                <a:blip r:embed="rId2"/>
+              </a:buBlip>
+              <a:defRPr sz="2080"/>
+            </a:pPr>
+            <a:r>
+              <a:t>git stash drop : 필요 없는 stash를 삭제</a:t>
+            </a:r>
+          </a:p>
+          <a:p>
+            <a:pPr lvl="1" marL="751840" indent="-375920" defTabSz="467359">
+              <a:spcBef>
+                <a:spcPts val="2400"/>
+              </a:spcBef>
+              <a:buBlip>
+                <a:blip r:embed="rId2"/>
+              </a:buBlip>
+              <a:defRPr sz="2080"/>
+            </a:pPr>
+            <a:r>
+              <a:t>git stash clear : 전체 stash list를 삭제</a:t>
             </a:r>
           </a:p>
         </p:txBody>
@@ -7763,7 +7754,105 @@
       </p:grpSpPr>
       <p:sp>
         <p:nvSpPr>
-          <p:cNvPr id="261" name="“Thanks”"/>
+          <p:cNvPr id="260" name="Github 사용하기"/>
+          <p:cNvSpPr txBox="1"/>
+          <p:nvPr>
+            <p:ph type="title"/>
+          </p:nvPr>
+        </p:nvSpPr>
+        <p:spPr>
+          <a:prstGeom prst="rect">
+            <a:avLst/>
+          </a:prstGeom>
+        </p:spPr>
+        <p:txBody>
+          <a:bodyPr/>
+          <a:lstStyle/>
+          <a:p>
+            <a:pPr/>
+            <a:r>
+              <a:t>Github 사용하기</a:t>
+            </a:r>
+          </a:p>
+        </p:txBody>
+      </p:sp>
+      <p:sp>
+        <p:nvSpPr>
+          <p:cNvPr id="261" name="Issues : 수정이나 버그에 대한 건의사항을 작성…"/>
+          <p:cNvSpPr txBox="1"/>
+          <p:nvPr>
+            <p:ph type="body" idx="1"/>
+          </p:nvPr>
+        </p:nvSpPr>
+        <p:spPr>
+          <a:prstGeom prst="rect">
+            <a:avLst/>
+          </a:prstGeom>
+        </p:spPr>
+        <p:txBody>
+          <a:bodyPr/>
+          <a:lstStyle/>
+          <a:p>
+            <a:pPr>
+              <a:buBlip>
+                <a:blip r:embed="rId2"/>
+              </a:buBlip>
+            </a:pPr>
+            <a:r>
+              <a:t>Issues : 수정이나 버그에 대한 건의사항을 작성</a:t>
+            </a:r>
+          </a:p>
+          <a:p>
+            <a:pPr>
+              <a:buBlip>
+                <a:blip r:embed="rId2"/>
+              </a:buBlip>
+            </a:pPr>
+            <a:r>
+              <a:t>Pull request : 수정한 코드에 대해 다른 사람들의 조언을 구할 때 사용</a:t>
+            </a:r>
+          </a:p>
+          <a:p>
+            <a:pPr>
+              <a:buBlip>
+                <a:blip r:embed="rId2"/>
+              </a:buBlip>
+            </a:pPr>
+            <a:r>
+              <a:t>Wiki : 프로젝트에 대한 문서 작성</a:t>
+            </a:r>
+          </a:p>
+        </p:txBody>
+      </p:sp>
+    </p:spTree>
+  </p:cSld>
+  <p:clrMapOvr>
+    <a:masterClrMapping/>
+  </p:clrMapOvr>
+  <p:transition xmlns:p14="http://schemas.microsoft.com/office/powerpoint/2010/main" spd="med" advClick="1"/>
+</p:sld>
+</file>
+
+<file path=ppt/slides/slide24.xml><?xml version="1.0" encoding="utf-8"?>
+<p:sld xmlns:a="http://schemas.openxmlformats.org/drawingml/2006/main" xmlns:r="http://schemas.openxmlformats.org/officeDocument/2006/relationships" xmlns:p="http://schemas.openxmlformats.org/presentationml/2006/main" showMasterSp="1" showMasterPhAnim="1">
+  <p:cSld>
+    <p:spTree>
+      <p:nvGrpSpPr>
+        <p:cNvPr id="1" name=""/>
+        <p:cNvGrpSpPr/>
+        <p:nvPr/>
+      </p:nvGrpSpPr>
+      <p:grpSpPr>
+        <a:xfrm>
+          <a:off x="0" y="0"/>
+          <a:ext cx="0" cy="0"/>
+          <a:chOff x="0" y="0"/>
+          <a:chExt cx="0" cy="0"/>
+        </a:xfrm>
+      </p:grpSpPr>
+      <p:sp>
+        <p:nvSpPr>
+          <p:cNvPr id="263" name="“Thanks”"/>
           <p:cNvSpPr txBox="1"/>
           <p:nvPr>
             <p:ph type="body" idx="13"/>
@@ -7787,7 +7876,7 @@
       </p:sp>
       <p:sp>
         <p:nvSpPr>
-          <p:cNvPr id="262" name="–Johnny Appleseed"/>
+          <p:cNvPr id="264" name="–Johnny Appleseed"/>
           <p:cNvSpPr txBox="1"/>
           <p:nvPr>
             <p:ph type="body" idx="14"/>

--- a/OSS_Seminar.pptx
+++ b/OSS_Seminar.pptx
@@ -6221,7 +6221,7 @@
                 </a:defRPr>
               </a:pPr>
               <a:r>
-                <a:t>‘Hello World’ 입력 후 저장</a:t>
+                <a:t>i 입력 ‘Hello World’ 입력 후 :wq</a:t>
               </a:r>
             </a:p>
           </p:txBody>
@@ -6580,7 +6580,7 @@
       </p:grpSp>
       <p:grpSp>
         <p:nvGrpSpPr>
-          <p:cNvPr id="234" name="git remote -v…"/>
+          <p:cNvPr id="234" name="git remote add origin…"/>
           <p:cNvGrpSpPr/>
           <p:nvPr/>
         </p:nvGrpSpPr>
@@ -6594,7 +6594,7 @@
         </p:grpSpPr>
         <p:sp>
           <p:nvSpPr>
-            <p:cNvPr id="233" name="git remote -v…"/>
+            <p:cNvPr id="233" name="git remote add origin…"/>
             <p:cNvSpPr/>
             <p:nvPr/>
           </p:nvSpPr>
@@ -6635,22 +6635,6 @@
                 </a:defRPr>
               </a:pPr>
               <a:r>
-                <a:t>git remote -v</a:t>
-              </a:r>
-            </a:p>
-            <a:p>
-              <a:pPr>
-                <a:defRPr sz="3000">
-                  <a:solidFill>
-                    <a:srgbClr val="000000"/>
-                  </a:solidFill>
-                  <a:latin typeface="나눔고딕"/>
-                  <a:ea typeface="나눔고딕"/>
-                  <a:cs typeface="나눔고딕"/>
-                  <a:sym typeface="나눔고딕"/>
-                </a:defRPr>
-              </a:pPr>
-              <a:r>
                 <a:t>git remote add origin </a:t>
               </a:r>
             </a:p>
@@ -6670,11 +6654,27 @@
                 <a:t>https://github.com/Heo-Seoyeong/OSS_Seminar.git</a:t>
               </a:r>
             </a:p>
+            <a:p>
+              <a:pPr>
+                <a:defRPr sz="3000">
+                  <a:solidFill>
+                    <a:srgbClr val="000000"/>
+                  </a:solidFill>
+                  <a:latin typeface="나눔고딕"/>
+                  <a:ea typeface="나눔고딕"/>
+                  <a:cs typeface="나눔고딕"/>
+                  <a:sym typeface="나눔고딕"/>
+                </a:defRPr>
+              </a:pPr>
+              <a:r>
+                <a:t>git remote -v</a:t>
+              </a:r>
+            </a:p>
           </p:txBody>
         </p:sp>
         <p:pic>
           <p:nvPicPr>
-            <p:cNvPr id="232" name="git remote -v…" descr="git remote -v…"/>
+            <p:cNvPr id="232" name="git remote add origin…" descr="git remote add origin…"/>
             <p:cNvPicPr>
               <a:picLocks noChangeAspect="0"/>
             </p:cNvPicPr>
@@ -7876,7 +7876,7 @@
       </p:sp>
       <p:sp>
         <p:nvSpPr>
-          <p:cNvPr id="264" name="–Johnny Appleseed"/>
+          <p:cNvPr id="264" name="–Heo Seoyeong–"/>
           <p:cNvSpPr txBox="1"/>
           <p:nvPr>
             <p:ph type="body" idx="14"/>
@@ -7893,7 +7893,7 @@
           <a:p>
             <a:pPr/>
             <a:r>
-              <a:t>–Johnny Appleseed</a:t>
+              <a:t>–Heo Seoyeong–</a:t>
             </a:r>
           </a:p>
         </p:txBody>
